--- a/lectures/Introduction.pptx
+++ b/lectures/Introduction.pptx
@@ -5,7 +5,7 @@
     <p:sldMasterId id="2147483661" r:id="rId1"/>
   </p:sldMasterIdLst>
   <p:notesMasterIdLst>
-    <p:notesMasterId r:id="rId9"/>
+    <p:notesMasterId r:id="rId8"/>
   </p:notesMasterIdLst>
   <p:sldIdLst>
     <p:sldId id="256" r:id="rId2"/>
@@ -14,31 +14,30 @@
     <p:sldId id="264" r:id="rId5"/>
     <p:sldId id="259" r:id="rId6"/>
     <p:sldId id="283" r:id="rId7"/>
-    <p:sldId id="263" r:id="rId8"/>
   </p:sldIdLst>
   <p:sldSz cx="9144000" cy="5143500" type="screen16x9"/>
   <p:notesSz cx="6858000" cy="9144000"/>
   <p:embeddedFontLst>
     <p:embeddedFont>
       <p:font typeface="Calibri" panose="020F0502020204030204" pitchFamily="34" charset="0"/>
-      <p:regular r:id="rId10"/>
-      <p:bold r:id="rId11"/>
-      <p:italic r:id="rId12"/>
-      <p:boldItalic r:id="rId13"/>
+      <p:regular r:id="rId9"/>
+      <p:bold r:id="rId10"/>
+      <p:italic r:id="rId11"/>
+      <p:boldItalic r:id="rId12"/>
     </p:embeddedFont>
     <p:embeddedFont>
       <p:font typeface="Georgia" panose="02040502050405020303" pitchFamily="18" charset="0"/>
-      <p:regular r:id="rId14"/>
-      <p:bold r:id="rId15"/>
-      <p:italic r:id="rId16"/>
-      <p:boldItalic r:id="rId17"/>
+      <p:regular r:id="rId13"/>
+      <p:bold r:id="rId14"/>
+      <p:italic r:id="rId15"/>
+      <p:boldItalic r:id="rId16"/>
     </p:embeddedFont>
     <p:embeddedFont>
-      <p:font typeface="Nunito Sans" panose="020B0604020202020204" charset="0"/>
-      <p:regular r:id="rId18"/>
-      <p:bold r:id="rId19"/>
-      <p:italic r:id="rId20"/>
-      <p:boldItalic r:id="rId21"/>
+      <p:font typeface="Nunito Sans" pitchFamily="2" charset="0"/>
+      <p:regular r:id="rId17"/>
+      <p:bold r:id="rId18"/>
+      <p:italic r:id="rId19"/>
+      <p:boldItalic r:id="rId20"/>
     </p:embeddedFont>
   </p:embeddedFontLst>
   <p:defaultTextStyle>
@@ -276,6 +275,42 @@
     </p:ext>
   </p:extLst>
 </p:presentation>
+</file>
+
+<file path=ppt/changesInfos/changesInfo1.xml><?xml version="1.0" encoding="utf-8"?>
+<pc:chgInfo xmlns:a="http://schemas.openxmlformats.org/drawingml/2006/main" xmlns:r="http://schemas.openxmlformats.org/officeDocument/2006/relationships" xmlns:ac="http://schemas.microsoft.com/office/drawing/2013/main/command" xmlns:pc="http://schemas.microsoft.com/office/powerpoint/2013/main/command">
+  <pc:docChgLst>
+    <pc:chgData name="Jan" userId="185de13651d64d23" providerId="LiveId" clId="{D55A8110-FFFB-44BC-A95C-94C3AAD33EC0}"/>
+    <pc:docChg chg="delSld">
+      <pc:chgData name="Jan" userId="185de13651d64d23" providerId="LiveId" clId="{D55A8110-FFFB-44BC-A95C-94C3AAD33EC0}" dt="2022-08-22T15:12:08.440" v="0" actId="47"/>
+      <pc:docMkLst>
+        <pc:docMk/>
+      </pc:docMkLst>
+      <pc:sldChg chg="del">
+        <pc:chgData name="Jan" userId="185de13651d64d23" providerId="LiveId" clId="{D55A8110-FFFB-44BC-A95C-94C3AAD33EC0}" dt="2022-08-22T15:12:08.440" v="0" actId="47"/>
+        <pc:sldMkLst>
+          <pc:docMk/>
+          <pc:sldMk cId="0" sldId="263"/>
+        </pc:sldMkLst>
+      </pc:sldChg>
+      <pc:sldMasterChg chg="delSldLayout">
+        <pc:chgData name="Jan" userId="185de13651d64d23" providerId="LiveId" clId="{D55A8110-FFFB-44BC-A95C-94C3AAD33EC0}" dt="2022-08-22T15:12:08.440" v="0" actId="47"/>
+        <pc:sldMasterMkLst>
+          <pc:docMk/>
+          <pc:sldMasterMk cId="0" sldId="2147483661"/>
+        </pc:sldMasterMkLst>
+        <pc:sldLayoutChg chg="del">
+          <pc:chgData name="Jan" userId="185de13651d64d23" providerId="LiveId" clId="{D55A8110-FFFB-44BC-A95C-94C3AAD33EC0}" dt="2022-08-22T15:12:08.440" v="0" actId="47"/>
+          <pc:sldLayoutMkLst>
+            <pc:docMk/>
+            <pc:sldMasterMk cId="0" sldId="2147483661"/>
+            <pc:sldLayoutMk cId="0" sldId="2147483652"/>
+          </pc:sldLayoutMkLst>
+        </pc:sldLayoutChg>
+      </pc:sldMasterChg>
+    </pc:docChg>
+  </pc:docChgLst>
+</pc:chgInfo>
 </file>
 
 <file path=ppt/notesMasters/notesMaster1.xml><?xml version="1.0" encoding="utf-8"?>
@@ -1356,110 +1391,6 @@
 </p:notes>
 </file>
 
-<file path=ppt/notesSlides/notesSlide7.xml><?xml version="1.0" encoding="utf-8"?>
-<p:notes xmlns:a="http://schemas.openxmlformats.org/drawingml/2006/main" xmlns:r="http://schemas.openxmlformats.org/officeDocument/2006/relationships" xmlns:p="http://schemas.openxmlformats.org/presentationml/2006/main" showMasterSp="0" showMasterPhAnim="0">
-  <p:cSld>
-    <p:spTree>
-      <p:nvGrpSpPr>
-        <p:cNvPr id="1" name="Shape 145"/>
-        <p:cNvGrpSpPr/>
-        <p:nvPr/>
-      </p:nvGrpSpPr>
-      <p:grpSpPr>
-        <a:xfrm>
-          <a:off x="0" y="0"/>
-          <a:ext cx="0" cy="0"/>
-          <a:chOff x="0" y="0"/>
-          <a:chExt cx="0" cy="0"/>
-        </a:xfrm>
-      </p:grpSpPr>
-      <p:sp>
-        <p:nvSpPr>
-          <p:cNvPr id="146" name="Shape 146"/>
-          <p:cNvSpPr>
-            <a:spLocks noGrp="1" noRot="1" noChangeAspect="1"/>
-          </p:cNvSpPr>
-          <p:nvPr>
-            <p:ph type="sldImg" idx="2"/>
-          </p:nvPr>
-        </p:nvSpPr>
-        <p:spPr>
-          <a:xfrm>
-            <a:off x="381000" y="685800"/>
-            <a:ext cx="6096000" cy="3429000"/>
-          </a:xfrm>
-          <a:custGeom>
-            <a:avLst/>
-            <a:gdLst/>
-            <a:ahLst/>
-            <a:cxnLst/>
-            <a:rect l="0" t="0" r="0" b="0"/>
-            <a:pathLst>
-              <a:path w="120000" h="120000" extrusionOk="0">
-                <a:moveTo>
-                  <a:pt x="0" y="0"/>
-                </a:moveTo>
-                <a:lnTo>
-                  <a:pt x="120000" y="0"/>
-                </a:lnTo>
-                <a:lnTo>
-                  <a:pt x="120000" y="120000"/>
-                </a:lnTo>
-                <a:lnTo>
-                  <a:pt x="0" y="120000"/>
-                </a:lnTo>
-                <a:close/>
-              </a:path>
-            </a:pathLst>
-          </a:custGeom>
-        </p:spPr>
-      </p:sp>
-      <p:sp>
-        <p:nvSpPr>
-          <p:cNvPr id="147" name="Shape 147"/>
-          <p:cNvSpPr txBox="1">
-            <a:spLocks noGrp="1"/>
-          </p:cNvSpPr>
-          <p:nvPr>
-            <p:ph type="body" idx="1"/>
-          </p:nvPr>
-        </p:nvSpPr>
-        <p:spPr>
-          <a:xfrm>
-            <a:off x="685800" y="4343400"/>
-            <a:ext cx="5486400" cy="4114800"/>
-          </a:xfrm>
-          <a:prstGeom prst="rect">
-            <a:avLst/>
-          </a:prstGeom>
-        </p:spPr>
-        <p:txBody>
-          <a:bodyPr spcFirstLastPara="1" wrap="square" lIns="91425" tIns="91425" rIns="91425" bIns="91425" anchor="t" anchorCtr="0">
-            <a:noAutofit/>
-          </a:bodyPr>
-          <a:lstStyle/>
-          <a:p>
-            <a:pPr marL="0" lvl="0" indent="0">
-              <a:spcBef>
-                <a:spcPts val="0"/>
-              </a:spcBef>
-              <a:spcAft>
-                <a:spcPts val="0"/>
-              </a:spcAft>
-              <a:buNone/>
-            </a:pPr>
-            <a:endParaRPr/>
-          </a:p>
-        </p:txBody>
-      </p:sp>
-    </p:spTree>
-  </p:cSld>
-  <p:clrMapOvr>
-    <a:masterClrMapping/>
-  </p:clrMapOvr>
-</p:notes>
-</file>
-
 <file path=ppt/slideLayouts/slideLayout1.xml><?xml version="1.0" encoding="utf-8"?>
 <p:sldLayout xmlns:a="http://schemas.openxmlformats.org/drawingml/2006/main" xmlns:r="http://schemas.openxmlformats.org/officeDocument/2006/relationships" xmlns:p="http://schemas.openxmlformats.org/presentationml/2006/main" matchingName="Title" type="title">
   <p:cSld name="TITLE">
@@ -2519,464 +2450,6 @@
 </file>
 
 <file path=ppt/slideLayouts/slideLayout3.xml><?xml version="1.0" encoding="utf-8"?>
-<p:sldLayout xmlns:a="http://schemas.openxmlformats.org/drawingml/2006/main" xmlns:r="http://schemas.openxmlformats.org/officeDocument/2006/relationships" xmlns:p="http://schemas.openxmlformats.org/presentationml/2006/main" matchingName="Title + 1 column" type="tx">
-  <p:cSld name="TITLE_AND_BODY">
-    <p:spTree>
-      <p:nvGrpSpPr>
-        <p:cNvPr id="1" name="Shape 32"/>
-        <p:cNvGrpSpPr/>
-        <p:nvPr/>
-      </p:nvGrpSpPr>
-      <p:grpSpPr>
-        <a:xfrm>
-          <a:off x="0" y="0"/>
-          <a:ext cx="0" cy="0"/>
-          <a:chOff x="0" y="0"/>
-          <a:chExt cx="0" cy="0"/>
-        </a:xfrm>
-      </p:grpSpPr>
-      <p:sp>
-        <p:nvSpPr>
-          <p:cNvPr id="33" name="Shape 33"/>
-          <p:cNvSpPr/>
-          <p:nvPr/>
-        </p:nvSpPr>
-        <p:spPr>
-          <a:xfrm flipH="1">
-            <a:off x="2472375" y="0"/>
-            <a:ext cx="113100" cy="5143500"/>
-          </a:xfrm>
-          <a:prstGeom prst="rect">
-            <a:avLst/>
-          </a:prstGeom>
-          <a:gradFill>
-            <a:gsLst>
-              <a:gs pos="0">
-                <a:srgbClr val="000014">
-                  <a:alpha val="20000"/>
-                </a:srgbClr>
-              </a:gs>
-              <a:gs pos="100000">
-                <a:srgbClr val="000014">
-                  <a:alpha val="0"/>
-                </a:srgbClr>
-              </a:gs>
-            </a:gsLst>
-            <a:lin ang="0" scaled="0"/>
-          </a:gradFill>
-          <a:ln>
-            <a:noFill/>
-          </a:ln>
-        </p:spPr>
-        <p:txBody>
-          <a:bodyPr spcFirstLastPara="1" wrap="square" lIns="91425" tIns="45700" rIns="91425" bIns="45700" anchor="ctr" anchorCtr="0">
-            <a:noAutofit/>
-          </a:bodyPr>
-          <a:lstStyle/>
-          <a:p>
-            <a:pPr marL="0" marR="0" lvl="0" indent="0" algn="ctr" rtl="0">
-              <a:spcBef>
-                <a:spcPts val="0"/>
-              </a:spcBef>
-              <a:spcAft>
-                <a:spcPts val="0"/>
-              </a:spcAft>
-              <a:buNone/>
-            </a:pPr>
-            <a:endParaRPr sz="1800">
-              <a:solidFill>
-                <a:srgbClr val="FFFFFF"/>
-              </a:solidFill>
-              <a:latin typeface="Calibri"/>
-              <a:ea typeface="Calibri"/>
-              <a:cs typeface="Calibri"/>
-              <a:sym typeface="Calibri"/>
-            </a:endParaRPr>
-          </a:p>
-        </p:txBody>
-      </p:sp>
-      <p:sp>
-        <p:nvSpPr>
-          <p:cNvPr id="34" name="Shape 34"/>
-          <p:cNvSpPr/>
-          <p:nvPr/>
-        </p:nvSpPr>
-        <p:spPr>
-          <a:xfrm>
-            <a:off x="2585475" y="0"/>
-            <a:ext cx="6558600" cy="5143500"/>
-          </a:xfrm>
-          <a:prstGeom prst="rect">
-            <a:avLst/>
-          </a:prstGeom>
-          <a:solidFill>
-            <a:srgbClr val="FFFFFF"/>
-          </a:solidFill>
-          <a:ln>
-            <a:noFill/>
-          </a:ln>
-        </p:spPr>
-        <p:txBody>
-          <a:bodyPr spcFirstLastPara="1" wrap="square" lIns="91425" tIns="91425" rIns="91425" bIns="91425" anchor="ctr" anchorCtr="0">
-            <a:noAutofit/>
-          </a:bodyPr>
-          <a:lstStyle/>
-          <a:p>
-            <a:pPr marL="0" lvl="0" indent="0">
-              <a:spcBef>
-                <a:spcPts val="0"/>
-              </a:spcBef>
-              <a:spcAft>
-                <a:spcPts val="0"/>
-              </a:spcAft>
-              <a:buNone/>
-            </a:pPr>
-            <a:endParaRPr/>
-          </a:p>
-        </p:txBody>
-      </p:sp>
-      <p:sp>
-        <p:nvSpPr>
-          <p:cNvPr id="35" name="Shape 35"/>
-          <p:cNvSpPr txBox="1">
-            <a:spLocks noGrp="1"/>
-          </p:cNvSpPr>
-          <p:nvPr>
-            <p:ph type="title"/>
-          </p:nvPr>
-        </p:nvSpPr>
-        <p:spPr>
-          <a:xfrm>
-            <a:off x="234450" y="575500"/>
-            <a:ext cx="2046300" cy="3981000"/>
-          </a:xfrm>
-          <a:prstGeom prst="rect">
-            <a:avLst/>
-          </a:prstGeom>
-        </p:spPr>
-        <p:txBody>
-          <a:bodyPr spcFirstLastPara="1" wrap="square" lIns="91425" tIns="91425" rIns="91425" bIns="91425" anchor="t" anchorCtr="0"/>
-          <a:lstStyle>
-            <a:lvl1pPr lvl="0">
-              <a:spcBef>
-                <a:spcPts val="0"/>
-              </a:spcBef>
-              <a:spcAft>
-                <a:spcPts val="0"/>
-              </a:spcAft>
-              <a:buSzPts val="2400"/>
-              <a:buNone/>
-              <a:defRPr/>
-            </a:lvl1pPr>
-            <a:lvl2pPr lvl="1">
-              <a:spcBef>
-                <a:spcPts val="0"/>
-              </a:spcBef>
-              <a:spcAft>
-                <a:spcPts val="0"/>
-              </a:spcAft>
-              <a:buSzPts val="2400"/>
-              <a:buNone/>
-              <a:defRPr/>
-            </a:lvl2pPr>
-            <a:lvl3pPr lvl="2">
-              <a:spcBef>
-                <a:spcPts val="0"/>
-              </a:spcBef>
-              <a:spcAft>
-                <a:spcPts val="0"/>
-              </a:spcAft>
-              <a:buSzPts val="2400"/>
-              <a:buNone/>
-              <a:defRPr/>
-            </a:lvl3pPr>
-            <a:lvl4pPr lvl="3">
-              <a:spcBef>
-                <a:spcPts val="0"/>
-              </a:spcBef>
-              <a:spcAft>
-                <a:spcPts val="0"/>
-              </a:spcAft>
-              <a:buSzPts val="2400"/>
-              <a:buNone/>
-              <a:defRPr/>
-            </a:lvl4pPr>
-            <a:lvl5pPr lvl="4">
-              <a:spcBef>
-                <a:spcPts val="0"/>
-              </a:spcBef>
-              <a:spcAft>
-                <a:spcPts val="0"/>
-              </a:spcAft>
-              <a:buSzPts val="2400"/>
-              <a:buNone/>
-              <a:defRPr/>
-            </a:lvl5pPr>
-            <a:lvl6pPr lvl="5">
-              <a:spcBef>
-                <a:spcPts val="0"/>
-              </a:spcBef>
-              <a:spcAft>
-                <a:spcPts val="0"/>
-              </a:spcAft>
-              <a:buSzPts val="2400"/>
-              <a:buNone/>
-              <a:defRPr/>
-            </a:lvl6pPr>
-            <a:lvl7pPr lvl="6">
-              <a:spcBef>
-                <a:spcPts val="0"/>
-              </a:spcBef>
-              <a:spcAft>
-                <a:spcPts val="0"/>
-              </a:spcAft>
-              <a:buSzPts val="2400"/>
-              <a:buNone/>
-              <a:defRPr/>
-            </a:lvl7pPr>
-            <a:lvl8pPr lvl="7">
-              <a:spcBef>
-                <a:spcPts val="0"/>
-              </a:spcBef>
-              <a:spcAft>
-                <a:spcPts val="0"/>
-              </a:spcAft>
-              <a:buSzPts val="2400"/>
-              <a:buNone/>
-              <a:defRPr/>
-            </a:lvl8pPr>
-            <a:lvl9pPr lvl="8">
-              <a:spcBef>
-                <a:spcPts val="0"/>
-              </a:spcBef>
-              <a:spcAft>
-                <a:spcPts val="0"/>
-              </a:spcAft>
-              <a:buSzPts val="2400"/>
-              <a:buNone/>
-              <a:defRPr/>
-            </a:lvl9pPr>
-          </a:lstStyle>
-          <a:p>
-            <a:endParaRPr/>
-          </a:p>
-        </p:txBody>
-      </p:sp>
-      <p:sp>
-        <p:nvSpPr>
-          <p:cNvPr id="36" name="Shape 36"/>
-          <p:cNvSpPr txBox="1">
-            <a:spLocks noGrp="1"/>
-          </p:cNvSpPr>
-          <p:nvPr>
-            <p:ph type="body" idx="1"/>
-          </p:nvPr>
-        </p:nvSpPr>
-        <p:spPr>
-          <a:xfrm>
-            <a:off x="3090625" y="575500"/>
-            <a:ext cx="5596200" cy="3981000"/>
-          </a:xfrm>
-          <a:prstGeom prst="rect">
-            <a:avLst/>
-          </a:prstGeom>
-        </p:spPr>
-        <p:txBody>
-          <a:bodyPr spcFirstLastPara="1" wrap="square" lIns="91425" tIns="91425" rIns="91425" bIns="91425" anchor="t" anchorCtr="0"/>
-          <a:lstStyle>
-            <a:lvl1pPr marL="457200" lvl="0" indent="-317500">
-              <a:spcBef>
-                <a:spcPts val="600"/>
-              </a:spcBef>
-              <a:spcAft>
-                <a:spcPts val="0"/>
-              </a:spcAft>
-              <a:buSzPts val="1400"/>
-              <a:buChar char="▪"/>
-              <a:defRPr/>
-            </a:lvl1pPr>
-            <a:lvl2pPr marL="914400" lvl="1" indent="-317500">
-              <a:spcBef>
-                <a:spcPts val="0"/>
-              </a:spcBef>
-              <a:spcAft>
-                <a:spcPts val="0"/>
-              </a:spcAft>
-              <a:buSzPts val="1400"/>
-              <a:buChar char="-"/>
-              <a:defRPr/>
-            </a:lvl2pPr>
-            <a:lvl3pPr marL="1371600" lvl="2" indent="-317500">
-              <a:spcBef>
-                <a:spcPts val="0"/>
-              </a:spcBef>
-              <a:spcAft>
-                <a:spcPts val="0"/>
-              </a:spcAft>
-              <a:buSzPts val="1400"/>
-              <a:buChar char="-"/>
-              <a:defRPr/>
-            </a:lvl3pPr>
-            <a:lvl4pPr marL="1828800" lvl="3" indent="-317500">
-              <a:spcBef>
-                <a:spcPts val="0"/>
-              </a:spcBef>
-              <a:spcAft>
-                <a:spcPts val="0"/>
-              </a:spcAft>
-              <a:buSzPts val="1400"/>
-              <a:buChar char="-"/>
-              <a:defRPr/>
-            </a:lvl4pPr>
-            <a:lvl5pPr marL="2286000" lvl="4" indent="-317500">
-              <a:spcBef>
-                <a:spcPts val="0"/>
-              </a:spcBef>
-              <a:spcAft>
-                <a:spcPts val="0"/>
-              </a:spcAft>
-              <a:buSzPts val="1400"/>
-              <a:buChar char="-"/>
-              <a:defRPr/>
-            </a:lvl5pPr>
-            <a:lvl6pPr marL="2743200" lvl="5" indent="-317500">
-              <a:spcBef>
-                <a:spcPts val="0"/>
-              </a:spcBef>
-              <a:spcAft>
-                <a:spcPts val="0"/>
-              </a:spcAft>
-              <a:buSzPts val="1400"/>
-              <a:buChar char="-"/>
-              <a:defRPr/>
-            </a:lvl6pPr>
-            <a:lvl7pPr marL="3200400" lvl="6" indent="-317500">
-              <a:spcBef>
-                <a:spcPts val="0"/>
-              </a:spcBef>
-              <a:spcAft>
-                <a:spcPts val="0"/>
-              </a:spcAft>
-              <a:buSzPts val="1400"/>
-              <a:buChar char="-"/>
-              <a:defRPr/>
-            </a:lvl7pPr>
-            <a:lvl8pPr marL="3657600" lvl="7" indent="-317500">
-              <a:spcBef>
-                <a:spcPts val="0"/>
-              </a:spcBef>
-              <a:spcAft>
-                <a:spcPts val="0"/>
-              </a:spcAft>
-              <a:buSzPts val="1400"/>
-              <a:buChar char="-"/>
-              <a:defRPr/>
-            </a:lvl8pPr>
-            <a:lvl9pPr marL="4114800" lvl="8" indent="-317500">
-              <a:spcBef>
-                <a:spcPts val="0"/>
-              </a:spcBef>
-              <a:spcAft>
-                <a:spcPts val="0"/>
-              </a:spcAft>
-              <a:buSzPts val="1400"/>
-              <a:buChar char="-"/>
-              <a:defRPr/>
-            </a:lvl9pPr>
-          </a:lstStyle>
-          <a:p>
-            <a:endParaRPr/>
-          </a:p>
-        </p:txBody>
-      </p:sp>
-      <p:sp>
-        <p:nvSpPr>
-          <p:cNvPr id="37" name="Shape 37"/>
-          <p:cNvSpPr txBox="1">
-            <a:spLocks noGrp="1"/>
-          </p:cNvSpPr>
-          <p:nvPr>
-            <p:ph type="sldNum" idx="12"/>
-          </p:nvPr>
-        </p:nvSpPr>
-        <p:spPr>
-          <a:xfrm>
-            <a:off x="8556784" y="4749851"/>
-            <a:ext cx="548700" cy="393600"/>
-          </a:xfrm>
-          <a:prstGeom prst="rect">
-            <a:avLst/>
-          </a:prstGeom>
-        </p:spPr>
-        <p:txBody>
-          <a:bodyPr spcFirstLastPara="1" wrap="square" lIns="91425" tIns="91425" rIns="91425" bIns="91425" anchor="ctr" anchorCtr="0">
-            <a:noAutofit/>
-          </a:bodyPr>
-          <a:lstStyle>
-            <a:lvl1pPr lvl="0">
-              <a:buNone/>
-              <a:defRPr/>
-            </a:lvl1pPr>
-            <a:lvl2pPr lvl="1">
-              <a:buNone/>
-              <a:defRPr/>
-            </a:lvl2pPr>
-            <a:lvl3pPr lvl="2">
-              <a:buNone/>
-              <a:defRPr/>
-            </a:lvl3pPr>
-            <a:lvl4pPr lvl="3">
-              <a:buNone/>
-              <a:defRPr/>
-            </a:lvl4pPr>
-            <a:lvl5pPr lvl="4">
-              <a:buNone/>
-              <a:defRPr/>
-            </a:lvl5pPr>
-            <a:lvl6pPr lvl="5">
-              <a:buNone/>
-              <a:defRPr/>
-            </a:lvl6pPr>
-            <a:lvl7pPr lvl="6">
-              <a:buNone/>
-              <a:defRPr/>
-            </a:lvl7pPr>
-            <a:lvl8pPr lvl="7">
-              <a:buNone/>
-              <a:defRPr/>
-            </a:lvl8pPr>
-            <a:lvl9pPr lvl="8">
-              <a:buNone/>
-              <a:defRPr/>
-            </a:lvl9pPr>
-          </a:lstStyle>
-          <a:p>
-            <a:pPr marL="0" lvl="0" indent="0">
-              <a:spcBef>
-                <a:spcPts val="0"/>
-              </a:spcBef>
-              <a:spcAft>
-                <a:spcPts val="0"/>
-              </a:spcAft>
-              <a:buNone/>
-            </a:pPr>
-            <a:fld id="{00000000-1234-1234-1234-123412341234}" type="slidenum">
-              <a:rPr lang="en"/>
-              <a:t>‹Nr.›</a:t>
-            </a:fld>
-            <a:endParaRPr/>
-          </a:p>
-        </p:txBody>
-      </p:sp>
-    </p:spTree>
-  </p:cSld>
-  <p:clrMapOvr>
-    <a:masterClrMapping/>
-  </p:clrMapOvr>
-</p:sldLayout>
-</file>
-
-<file path=ppt/slideLayouts/slideLayout4.xml><?xml version="1.0" encoding="utf-8"?>
 <p:sldLayout xmlns:a="http://schemas.openxmlformats.org/drawingml/2006/main" xmlns:r="http://schemas.openxmlformats.org/officeDocument/2006/relationships" xmlns:p="http://schemas.openxmlformats.org/presentationml/2006/main" matchingName="Title + 1 column with intro text">
   <p:cSld name="TITLE_AND_BODY_1">
     <p:spTree>
@@ -3669,7 +3142,7 @@
 </p:sldLayout>
 </file>
 
-<file path=ppt/slideLayouts/slideLayout5.xml><?xml version="1.0" encoding="utf-8"?>
+<file path=ppt/slideLayouts/slideLayout4.xml><?xml version="1.0" encoding="utf-8"?>
 <p:sldLayout xmlns:a="http://schemas.openxmlformats.org/drawingml/2006/main" xmlns:r="http://schemas.openxmlformats.org/officeDocument/2006/relationships" xmlns:p="http://schemas.openxmlformats.org/presentationml/2006/main" matchingName="Title + 2 columns" type="twoColTx">
   <p:cSld name="TITLE_AND_TWO_COLUMNS">
     <p:spTree>
@@ -4254,7 +3727,7 @@
 </p:sldLayout>
 </file>
 
-<file path=ppt/slideLayouts/slideLayout6.xml><?xml version="1.0" encoding="utf-8"?>
+<file path=ppt/slideLayouts/slideLayout5.xml><?xml version="1.0" encoding="utf-8"?>
 <p:sldLayout xmlns:a="http://schemas.openxmlformats.org/drawingml/2006/main" xmlns:r="http://schemas.openxmlformats.org/officeDocument/2006/relationships" xmlns:p="http://schemas.openxmlformats.org/presentationml/2006/main" matchingName="Blank" type="blank">
   <p:cSld name="BLANK">
     <p:spTree>
@@ -5085,10 +4558,9 @@
   <p:sldLayoutIdLst>
     <p:sldLayoutId id="2147483648" r:id="rId1"/>
     <p:sldLayoutId id="2147483650" r:id="rId2"/>
-    <p:sldLayoutId id="2147483652" r:id="rId3"/>
-    <p:sldLayoutId id="2147483653" r:id="rId4"/>
-    <p:sldLayoutId id="2147483657" r:id="rId5"/>
-    <p:sldLayoutId id="2147483660" r:id="rId6"/>
+    <p:sldLayoutId id="2147483653" r:id="rId3"/>
+    <p:sldLayoutId id="2147483657" r:id="rId4"/>
+    <p:sldLayoutId id="2147483660" r:id="rId5"/>
   </p:sldLayoutIdLst>
   <p:transition>
     <p:fade thruBlk="1"/>
@@ -14131,358 +13603,6 @@
 </p:sld>
 </file>
 
-<file path=ppt/slides/slide7.xml><?xml version="1.0" encoding="utf-8"?>
-<p:sld xmlns:a="http://schemas.openxmlformats.org/drawingml/2006/main" xmlns:r="http://schemas.openxmlformats.org/officeDocument/2006/relationships" xmlns:p="http://schemas.openxmlformats.org/presentationml/2006/main">
-  <p:cSld>
-    <p:spTree>
-      <p:nvGrpSpPr>
-        <p:cNvPr id="1" name="Shape 148"/>
-        <p:cNvGrpSpPr/>
-        <p:nvPr/>
-      </p:nvGrpSpPr>
-      <p:grpSpPr>
-        <a:xfrm>
-          <a:off x="0" y="0"/>
-          <a:ext cx="0" cy="0"/>
-          <a:chOff x="0" y="0"/>
-          <a:chExt cx="0" cy="0"/>
-        </a:xfrm>
-      </p:grpSpPr>
-      <p:sp>
-        <p:nvSpPr>
-          <p:cNvPr id="149" name="Shape 149"/>
-          <p:cNvSpPr txBox="1">
-            <a:spLocks noGrp="1"/>
-          </p:cNvSpPr>
-          <p:nvPr>
-            <p:ph type="title"/>
-          </p:nvPr>
-        </p:nvSpPr>
-        <p:spPr>
-          <a:xfrm>
-            <a:off x="234450" y="575500"/>
-            <a:ext cx="2046300" cy="3981000"/>
-          </a:xfrm>
-          <a:prstGeom prst="rect">
-            <a:avLst/>
-          </a:prstGeom>
-        </p:spPr>
-        <p:txBody>
-          <a:bodyPr spcFirstLastPara="1" wrap="square" lIns="91425" tIns="91425" rIns="91425" bIns="91425" anchor="t" anchorCtr="0">
-            <a:noAutofit/>
-          </a:bodyPr>
-          <a:lstStyle/>
-          <a:p>
-            <a:pPr lvl="0"/>
-            <a:br>
-              <a:rPr lang="de-DE" dirty="0"/>
-            </a:br>
-            <a:r>
-              <a:rPr lang="de-DE" dirty="0"/>
-              <a:t>Was werdet ihr nach Abschluss des Kurses erreichen?</a:t>
-            </a:r>
-            <a:endParaRPr dirty="0"/>
-          </a:p>
-        </p:txBody>
-      </p:sp>
-      <p:sp>
-        <p:nvSpPr>
-          <p:cNvPr id="150" name="Shape 150"/>
-          <p:cNvSpPr txBox="1">
-            <a:spLocks noGrp="1"/>
-          </p:cNvSpPr>
-          <p:nvPr>
-            <p:ph type="body" idx="1"/>
-          </p:nvPr>
-        </p:nvSpPr>
-        <p:spPr>
-          <a:xfrm>
-            <a:off x="3090625" y="575500"/>
-            <a:ext cx="5596200" cy="2765100"/>
-          </a:xfrm>
-          <a:prstGeom prst="rect">
-            <a:avLst/>
-          </a:prstGeom>
-        </p:spPr>
-        <p:txBody>
-          <a:bodyPr spcFirstLastPara="1" wrap="square" lIns="91425" tIns="91425" rIns="91425" bIns="91425" anchor="t" anchorCtr="0">
-            <a:noAutofit/>
-          </a:bodyPr>
-          <a:lstStyle/>
-          <a:p>
-            <a:pPr marL="0" lvl="0" indent="0" rtl="0">
-              <a:spcBef>
-                <a:spcPts val="600"/>
-              </a:spcBef>
-              <a:spcAft>
-                <a:spcPts val="0"/>
-              </a:spcAft>
-              <a:buNone/>
-            </a:pPr>
-            <a:r>
-              <a:rPr lang="de-DE" sz="1200" dirty="0"/>
-              <a:t>Das erreichte Wissen:</a:t>
-            </a:r>
-            <a:endParaRPr sz="1200" dirty="0"/>
-          </a:p>
-          <a:p>
-            <a:r>
-              <a:rPr lang="de-DE" dirty="0"/>
-              <a:t>Erlerne die Grundkonzepte der C Programmierung</a:t>
-            </a:r>
-          </a:p>
-          <a:p>
-            <a:r>
-              <a:rPr lang="de-DE" dirty="0"/>
-              <a:t>Arbeite effektiv mit Variablen und Daten</a:t>
-            </a:r>
-          </a:p>
-          <a:p>
-            <a:r>
-              <a:rPr lang="de-DE" dirty="0"/>
-              <a:t>Verstehe die Logik hinter Pointern</a:t>
-            </a:r>
-          </a:p>
-          <a:p>
-            <a:r>
-              <a:rPr lang="de-DE" dirty="0"/>
-              <a:t>Verstehe woraus ein Computerprogramm besteht</a:t>
-            </a:r>
-          </a:p>
-          <a:p>
-            <a:r>
-              <a:rPr lang="de-DE" dirty="0"/>
-              <a:t>Verwende Arrays und Strukturen</a:t>
-            </a:r>
-          </a:p>
-          <a:p>
-            <a:r>
-              <a:rPr lang="de-DE" dirty="0"/>
-              <a:t>Arbeite mit Dateien und Zahlensystemen</a:t>
-            </a:r>
-          </a:p>
-        </p:txBody>
-      </p:sp>
-      <p:sp>
-        <p:nvSpPr>
-          <p:cNvPr id="151" name="Shape 151"/>
-          <p:cNvSpPr txBox="1">
-            <a:spLocks noGrp="1"/>
-          </p:cNvSpPr>
-          <p:nvPr>
-            <p:ph type="sldNum" idx="12"/>
-          </p:nvPr>
-        </p:nvSpPr>
-        <p:spPr>
-          <a:xfrm>
-            <a:off x="8556784" y="4749851"/>
-            <a:ext cx="548700" cy="393600"/>
-          </a:xfrm>
-          <a:prstGeom prst="rect">
-            <a:avLst/>
-          </a:prstGeom>
-        </p:spPr>
-        <p:txBody>
-          <a:bodyPr spcFirstLastPara="1" wrap="square" lIns="91425" tIns="91425" rIns="91425" bIns="91425" anchor="ctr" anchorCtr="0">
-            <a:noAutofit/>
-          </a:bodyPr>
-          <a:lstStyle/>
-          <a:p>
-            <a:pPr marL="0" lvl="0" indent="0">
-              <a:spcBef>
-                <a:spcPts val="0"/>
-              </a:spcBef>
-              <a:spcAft>
-                <a:spcPts val="0"/>
-              </a:spcAft>
-              <a:buNone/>
-            </a:pPr>
-            <a:fld id="{00000000-1234-1234-1234-123412341234}" type="slidenum">
-              <a:rPr lang="en"/>
-              <a:t>7</a:t>
-            </a:fld>
-            <a:endParaRPr/>
-          </a:p>
-        </p:txBody>
-      </p:sp>
-      <p:sp>
-        <p:nvSpPr>
-          <p:cNvPr id="152" name="Shape 152"/>
-          <p:cNvSpPr/>
-          <p:nvPr/>
-        </p:nvSpPr>
-        <p:spPr>
-          <a:xfrm>
-            <a:off x="3757962" y="3323600"/>
-            <a:ext cx="1660800" cy="1660800"/>
-          </a:xfrm>
-          <a:prstGeom prst="ellipse">
-            <a:avLst/>
-          </a:prstGeom>
-          <a:solidFill>
-            <a:srgbClr val="F67031"/>
-          </a:solidFill>
-          <a:ln>
-            <a:noFill/>
-          </a:ln>
-        </p:spPr>
-        <p:txBody>
-          <a:bodyPr spcFirstLastPara="1" wrap="square" lIns="91425" tIns="91425" rIns="91425" bIns="91425" anchor="ctr" anchorCtr="0">
-            <a:noAutofit/>
-          </a:bodyPr>
-          <a:lstStyle/>
-          <a:p>
-            <a:pPr marL="0" lvl="0" indent="0" algn="ctr">
-              <a:spcBef>
-                <a:spcPts val="0"/>
-              </a:spcBef>
-              <a:spcAft>
-                <a:spcPts val="0"/>
-              </a:spcAft>
-              <a:buNone/>
-            </a:pPr>
-            <a:r>
-              <a:rPr lang="de-DE" sz="1200" b="1" dirty="0">
-                <a:solidFill>
-                  <a:srgbClr val="FFFFFF"/>
-                </a:solidFill>
-                <a:latin typeface="Nunito Sans"/>
-                <a:ea typeface="Nunito Sans"/>
-                <a:cs typeface="Nunito Sans"/>
-                <a:sym typeface="Nunito Sans"/>
-              </a:rPr>
-              <a:t>Anwendung</a:t>
-            </a:r>
-            <a:endParaRPr sz="1200" b="1" dirty="0">
-              <a:solidFill>
-                <a:srgbClr val="FFFFFF"/>
-              </a:solidFill>
-              <a:latin typeface="Nunito Sans"/>
-              <a:ea typeface="Nunito Sans"/>
-              <a:cs typeface="Nunito Sans"/>
-              <a:sym typeface="Nunito Sans"/>
-            </a:endParaRPr>
-          </a:p>
-        </p:txBody>
-      </p:sp>
-      <p:sp>
-        <p:nvSpPr>
-          <p:cNvPr id="153" name="Shape 153"/>
-          <p:cNvSpPr/>
-          <p:nvPr/>
-        </p:nvSpPr>
-        <p:spPr>
-          <a:xfrm>
-            <a:off x="5660647" y="3323600"/>
-            <a:ext cx="1660800" cy="1660800"/>
-          </a:xfrm>
-          <a:prstGeom prst="ellipse">
-            <a:avLst/>
-          </a:prstGeom>
-          <a:solidFill>
-            <a:srgbClr val="ED0036"/>
-          </a:solidFill>
-          <a:ln>
-            <a:noFill/>
-          </a:ln>
-        </p:spPr>
-        <p:txBody>
-          <a:bodyPr spcFirstLastPara="1" wrap="square" lIns="91425" tIns="91425" rIns="91425" bIns="91425" anchor="ctr" anchorCtr="0">
-            <a:noAutofit/>
-          </a:bodyPr>
-          <a:lstStyle/>
-          <a:p>
-            <a:pPr marL="0" lvl="0" indent="0" algn="ctr">
-              <a:spcBef>
-                <a:spcPts val="0"/>
-              </a:spcBef>
-              <a:spcAft>
-                <a:spcPts val="0"/>
-              </a:spcAft>
-              <a:buNone/>
-            </a:pPr>
-            <a:r>
-              <a:rPr lang="de-DE" sz="1200" b="1" dirty="0" err="1">
-                <a:solidFill>
-                  <a:srgbClr val="FFFFFF"/>
-                </a:solidFill>
-                <a:latin typeface="Nunito Sans"/>
-                <a:ea typeface="Nunito Sans"/>
-                <a:cs typeface="Nunito Sans"/>
-                <a:sym typeface="Nunito Sans"/>
-              </a:rPr>
-              <a:t>Know</a:t>
-            </a:r>
-            <a:r>
-              <a:rPr lang="de-DE" sz="1200" b="1" dirty="0">
-                <a:solidFill>
-                  <a:srgbClr val="FFFFFF"/>
-                </a:solidFill>
-                <a:latin typeface="Nunito Sans"/>
-                <a:ea typeface="Nunito Sans"/>
-                <a:cs typeface="Nunito Sans"/>
-                <a:sym typeface="Nunito Sans"/>
-              </a:rPr>
-              <a:t> </a:t>
-            </a:r>
-            <a:r>
-              <a:rPr lang="de-DE" sz="1200" b="1" dirty="0" err="1">
-                <a:solidFill>
-                  <a:srgbClr val="FFFFFF"/>
-                </a:solidFill>
-                <a:latin typeface="Nunito Sans"/>
-                <a:ea typeface="Nunito Sans"/>
-                <a:cs typeface="Nunito Sans"/>
-                <a:sym typeface="Nunito Sans"/>
-              </a:rPr>
-              <a:t>How</a:t>
-            </a:r>
-            <a:endParaRPr sz="1200" b="1" dirty="0">
-              <a:solidFill>
-                <a:srgbClr val="FFFFFF"/>
-              </a:solidFill>
-              <a:latin typeface="Nunito Sans"/>
-              <a:ea typeface="Nunito Sans"/>
-              <a:cs typeface="Nunito Sans"/>
-              <a:sym typeface="Nunito Sans"/>
-            </a:endParaRPr>
-          </a:p>
-        </p:txBody>
-      </p:sp>
-      <p:cxnSp>
-        <p:nvCxnSpPr>
-          <p:cNvPr id="156" name="Shape 156"/>
-          <p:cNvCxnSpPr/>
-          <p:nvPr/>
-        </p:nvCxnSpPr>
-        <p:spPr>
-          <a:xfrm>
-            <a:off x="5079182" y="4154000"/>
-            <a:ext cx="909900" cy="0"/>
-          </a:xfrm>
-          <a:prstGeom prst="straightConnector1">
-            <a:avLst/>
-          </a:prstGeom>
-          <a:noFill/>
-          <a:ln w="19050" cap="flat" cmpd="sng">
-            <a:solidFill>
-              <a:srgbClr val="FFFFFF"/>
-            </a:solidFill>
-            <a:prstDash val="solid"/>
-            <a:round/>
-            <a:headEnd type="oval" w="sm" len="sm"/>
-            <a:tailEnd type="triangle" w="sm" len="sm"/>
-          </a:ln>
-        </p:spPr>
-      </p:cxnSp>
-    </p:spTree>
-  </p:cSld>
-  <p:clrMapOvr>
-    <a:masterClrMapping/>
-  </p:clrMapOvr>
-</p:sld>
-</file>
-
 <file path=ppt/theme/theme1.xml><?xml version="1.0" encoding="utf-8"?>
 <a:theme xmlns:a="http://schemas.openxmlformats.org/drawingml/2006/main" name="Ulysses template">
   <a:themeElements>
